--- a/Lecture Slides/VideoLectureSlides/14.3.pptx
+++ b/Lecture Slides/VideoLectureSlides/14.3.pptx
@@ -5,7 +5,7 @@
     <p:sldMasterId id="2147483660" r:id="rId4"/>
   </p:sldMasterIdLst>
   <p:notesMasterIdLst>
-    <p:notesMasterId r:id="rId18"/>
+    <p:notesMasterId r:id="rId17"/>
   </p:notesMasterIdLst>
   <p:sldIdLst>
     <p:sldId id="256" r:id="rId5"/>
@@ -15,12 +15,11 @@
     <p:sldId id="303" r:id="rId9"/>
     <p:sldId id="301" r:id="rId10"/>
     <p:sldId id="304" r:id="rId11"/>
-    <p:sldId id="305" r:id="rId12"/>
-    <p:sldId id="302" r:id="rId13"/>
-    <p:sldId id="287" r:id="rId14"/>
-    <p:sldId id="307" r:id="rId15"/>
-    <p:sldId id="308" r:id="rId16"/>
-    <p:sldId id="306" r:id="rId17"/>
+    <p:sldId id="309" r:id="rId12"/>
+    <p:sldId id="287" r:id="rId13"/>
+    <p:sldId id="307" r:id="rId14"/>
+    <p:sldId id="308" r:id="rId15"/>
+    <p:sldId id="306" r:id="rId16"/>
   </p:sldIdLst>
   <p:sldSz cx="9144000" cy="6858000" type="screen4x3"/>
   <p:notesSz cx="6858000" cy="9144000"/>
@@ -234,7 +233,7 @@
           <a:p>
             <a:fld id="{1AA1AB63-216F-4D5B-8811-CCB935E98D4A}" type="datetimeFigureOut">
               <a:rPr lang="en-US" smtClean="0"/>
-              <a:t>9/13/2022</a:t>
+              <a:t>6/8/2023</a:t>
             </a:fld>
             <a:endParaRPr lang="en-US" dirty="0"/>
           </a:p>
@@ -3757,80 +3756,6 @@
       </p:grpSpPr>
       <p:sp>
         <p:nvSpPr>
-          <p:cNvPr id="2" name="Title 1"/>
-          <p:cNvSpPr>
-            <a:spLocks noGrp="1"/>
-          </p:cNvSpPr>
-          <p:nvPr>
-            <p:ph type="ctrTitle"/>
-          </p:nvPr>
-        </p:nvSpPr>
-        <p:spPr/>
-        <p:txBody>
-          <a:bodyPr/>
-          <a:lstStyle/>
-          <a:p>
-            <a:r>
-              <a:rPr lang="en-US" dirty="0"/>
-              <a:t>Thanks for Watching</a:t>
-            </a:r>
-          </a:p>
-        </p:txBody>
-      </p:sp>
-      <p:sp>
-        <p:nvSpPr>
-          <p:cNvPr id="3" name="Subtitle 2"/>
-          <p:cNvSpPr>
-            <a:spLocks noGrp="1"/>
-          </p:cNvSpPr>
-          <p:nvPr>
-            <p:ph type="subTitle" idx="1"/>
-          </p:nvPr>
-        </p:nvSpPr>
-        <p:spPr/>
-        <p:txBody>
-          <a:bodyPr/>
-          <a:lstStyle/>
-          <a:p>
-            <a:r>
-              <a:rPr lang="en-US" dirty="0"/>
-              <a:t>See other engineering mechanics videos and access the full tool at…</a:t>
-            </a:r>
-          </a:p>
-        </p:txBody>
-      </p:sp>
-    </p:spTree>
-    <p:extLst>
-      <p:ext uri="{BB962C8B-B14F-4D97-AF65-F5344CB8AC3E}">
-        <p14:creationId xmlns:p14="http://schemas.microsoft.com/office/powerpoint/2010/main" val="3129637585"/>
-      </p:ext>
-    </p:extLst>
-  </p:cSld>
-  <p:clrMapOvr>
-    <a:masterClrMapping/>
-  </p:clrMapOvr>
-</p:sld>
-</file>
-
-<file path=ppt/slides/slide11.xml><?xml version="1.0" encoding="utf-8"?>
-<p:sld xmlns:a="http://schemas.openxmlformats.org/drawingml/2006/main" xmlns:r="http://schemas.openxmlformats.org/officeDocument/2006/relationships" xmlns:p="http://schemas.openxmlformats.org/presentationml/2006/main">
-  <p:cSld>
-    <p:spTree>
-      <p:nvGrpSpPr>
-        <p:cNvPr id="1" name=""/>
-        <p:cNvGrpSpPr/>
-        <p:nvPr/>
-      </p:nvGrpSpPr>
-      <p:grpSpPr>
-        <a:xfrm>
-          <a:off x="0" y="0"/>
-          <a:ext cx="0" cy="0"/>
-          <a:chOff x="0" y="0"/>
-          <a:chExt cx="0" cy="0"/>
-        </a:xfrm>
-      </p:grpSpPr>
-      <p:sp>
-        <p:nvSpPr>
           <p:cNvPr id="2" name="Title 1">
             <a:extLst>
               <a:ext uri="{FF2B5EF4-FFF2-40B4-BE49-F238E27FC236}">
@@ -3915,7 +3840,7 @@
           <a:p>
             <a:fld id="{929262FE-7F58-4A1E-8AF3-5A510A86DEBD}" type="slidenum">
               <a:rPr lang="en-US" smtClean="0"/>
-              <a:t>11</a:t>
+              <a:t>10</a:t>
             </a:fld>
             <a:endParaRPr lang="en-US" dirty="0"/>
           </a:p>
@@ -4022,7 +3947,7 @@
 </p:sld>
 </file>
 
-<file path=ppt/slides/slide12.xml><?xml version="1.0" encoding="utf-8"?>
+<file path=ppt/slides/slide11.xml><?xml version="1.0" encoding="utf-8"?>
 <p:sld xmlns:a="http://schemas.openxmlformats.org/drawingml/2006/main" xmlns:r="http://schemas.openxmlformats.org/officeDocument/2006/relationships" xmlns:p="http://schemas.openxmlformats.org/presentationml/2006/main">
   <p:cSld>
     <p:spTree>
@@ -4125,7 +4050,7 @@
           <a:p>
             <a:fld id="{929262FE-7F58-4A1E-8AF3-5A510A86DEBD}" type="slidenum">
               <a:rPr lang="en-US" smtClean="0"/>
-              <a:t>12</a:t>
+              <a:t>11</a:t>
             </a:fld>
             <a:endParaRPr lang="en-US" dirty="0"/>
           </a:p>
@@ -4308,7 +4233,7 @@
 </p:sld>
 </file>
 
-<file path=ppt/slides/slide13.xml><?xml version="1.0" encoding="utf-8"?>
+<file path=ppt/slides/slide12.xml><?xml version="1.0" encoding="utf-8"?>
 <p:sld xmlns:a="http://schemas.openxmlformats.org/drawingml/2006/main" xmlns:r="http://schemas.openxmlformats.org/officeDocument/2006/relationships" xmlns:p="http://schemas.openxmlformats.org/presentationml/2006/main">
   <p:cSld>
     <p:spTree>
@@ -4430,7 +4355,7 @@
           <a:p>
             <a:fld id="{929262FE-7F58-4A1E-8AF3-5A510A86DEBD}" type="slidenum">
               <a:rPr lang="en-US" smtClean="0"/>
-              <a:t>13</a:t>
+              <a:t>12</a:t>
             </a:fld>
             <a:endParaRPr lang="en-US"/>
           </a:p>
@@ -4541,8 +4466,8 @@
           </a:p>
         </p:txBody>
       </p:sp>
-      <mc:AlternateContent xmlns:mc="http://schemas.openxmlformats.org/markup-compatibility/2006" xmlns:a14="http://schemas.microsoft.com/office/drawing/2010/main">
-        <mc:Choice Requires="a14">
+      <mc:AlternateContent xmlns:mc="http://schemas.openxmlformats.org/markup-compatibility/2006">
+        <mc:Choice xmlns:a14="http://schemas.microsoft.com/office/drawing/2010/main" Requires="a14">
           <p:sp>
             <p:nvSpPr>
               <p:cNvPr id="3" name="Content Placeholder 2">
@@ -4581,7 +4506,7 @@
                 <a:pPr lvl="1"/>
                 <a:r>
                   <a:rPr lang="en-US" dirty="0"/>
-                  <a:t>Because of the conservation of energy relationship, this is equal to the rate at which energy is changing.</a:t>
+                  <a:t>Because of the work and energy relationship, this is equal to the rate at which energy is changing.</a:t>
                 </a:r>
               </a:p>
               <a:p>
@@ -4669,26 +4594,56 @@
                         </a:rPr>
                         <m:t>=</m:t>
                       </m:r>
-                      <m:acc>
-                        <m:accPr>
-                          <m:chr m:val="̇"/>
+                      <m:f>
+                        <m:fPr>
                           <m:ctrlPr>
-                            <a:rPr lang="en-US" b="0" i="1" smtClean="0">
+                            <a:rPr lang="en-US" i="1">
                               <a:latin typeface="Cambria Math" panose="02040503050406030204" pitchFamily="18" charset="0"/>
-                              <a:ea typeface="Cambria Math"/>
                             </a:rPr>
                           </m:ctrlPr>
-                        </m:accPr>
-                        <m:e>
+                        </m:fPr>
+                        <m:num>
+                          <m:r>
+                            <a:rPr lang="en-US" i="1">
+                              <a:latin typeface="Cambria Math" panose="02040503050406030204" pitchFamily="18" charset="0"/>
+                            </a:rPr>
+                            <m:t>𝑑</m:t>
+                          </m:r>
                           <m:r>
                             <a:rPr lang="en-US" b="0" i="1" smtClean="0">
                               <a:latin typeface="Cambria Math" panose="02040503050406030204" pitchFamily="18" charset="0"/>
+                            </a:rPr>
+                            <m:t>𝐾𝐸</m:t>
+                          </m:r>
+                          <m:r>
+                            <a:rPr lang="en-US" b="0" i="1" smtClean="0">
+                              <a:latin typeface="Cambria Math" panose="02040503050406030204" pitchFamily="18" charset="0"/>
+                            </a:rPr>
+                            <m:t>+</m:t>
+                          </m:r>
+                          <m:r>
+                            <a:rPr lang="en-US" b="0" i="1" smtClean="0">
+                              <a:latin typeface="Cambria Math" panose="02040503050406030204" pitchFamily="18" charset="0"/>
+                            </a:rPr>
+                            <m:t>𝑑𝑃𝐸</m:t>
+                          </m:r>
+                        </m:num>
+                        <m:den>
+                          <m:r>
+                            <a:rPr lang="en-US" i="1">
+                              <a:latin typeface="Cambria Math" panose="02040503050406030204" pitchFamily="18" charset="0"/>
+                            </a:rPr>
+                            <m:t>𝑑</m:t>
+                          </m:r>
+                          <m:r>
+                            <a:rPr lang="en-US" i="1">
+                              <a:latin typeface="Cambria Math"/>
                               <a:ea typeface="Cambria Math"/>
                             </a:rPr>
-                            <m:t>𝑊</m:t>
+                            <m:t>𝑡</m:t>
                           </m:r>
-                        </m:e>
-                      </m:acc>
+                        </m:den>
+                      </m:f>
                     </m:oMath>
                   </m:oMathPara>
                 </a14:m>
@@ -4697,7 +4652,7 @@
             </p:txBody>
           </p:sp>
         </mc:Choice>
-        <mc:Fallback xmlns="">
+        <mc:Fallback>
           <p:sp>
             <p:nvSpPr>
               <p:cNvPr id="3" name="Content Placeholder 2">
@@ -4798,33 +4753,15 @@
                                   </p:childTnLst>
                                 </p:cTn>
                               </p:par>
-                            </p:childTnLst>
-                          </p:cTn>
-                        </p:par>
-                      </p:childTnLst>
-                    </p:cTn>
-                  </p:par>
-                  <p:par>
-                    <p:cTn id="7" fill="hold">
-                      <p:stCondLst>
-                        <p:cond delay="indefinite"/>
-                      </p:stCondLst>
-                      <p:childTnLst>
-                        <p:par>
-                          <p:cTn id="8" fill="hold">
-                            <p:stCondLst>
-                              <p:cond delay="0"/>
-                            </p:stCondLst>
-                            <p:childTnLst>
                               <p:par>
-                                <p:cTn id="9" presetID="1" presetClass="entr" presetSubtype="0" fill="hold" grpId="0" nodeType="clickEffect">
+                                <p:cTn id="7" presetID="1" presetClass="entr" presetSubtype="0" fill="hold" grpId="0" nodeType="withEffect">
                                   <p:stCondLst>
                                     <p:cond delay="0"/>
                                   </p:stCondLst>
                                   <p:childTnLst>
                                     <p:set>
                                       <p:cBhvr>
-                                        <p:cTn id="10" dur="1" fill="hold">
+                                        <p:cTn id="8" dur="1" fill="hold">
                                           <p:stCondLst>
                                             <p:cond delay="0"/>
                                           </p:stCondLst>
@@ -4854,26 +4791,26 @@
                     </p:cTn>
                   </p:par>
                   <p:par>
-                    <p:cTn id="11" fill="hold">
+                    <p:cTn id="9" fill="hold">
                       <p:stCondLst>
                         <p:cond delay="indefinite"/>
                       </p:stCondLst>
                       <p:childTnLst>
                         <p:par>
-                          <p:cTn id="12" fill="hold">
+                          <p:cTn id="10" fill="hold">
                             <p:stCondLst>
                               <p:cond delay="0"/>
                             </p:stCondLst>
                             <p:childTnLst>
                               <p:par>
-                                <p:cTn id="13" presetID="1" presetClass="entr" presetSubtype="0" fill="hold" grpId="0" nodeType="clickEffect">
+                                <p:cTn id="11" presetID="1" presetClass="entr" presetSubtype="0" fill="hold" grpId="0" nodeType="clickEffect">
                                   <p:stCondLst>
                                     <p:cond delay="0"/>
                                   </p:stCondLst>
                                   <p:childTnLst>
                                     <p:set>
                                       <p:cBhvr>
-                                        <p:cTn id="14" dur="1" fill="hold">
+                                        <p:cTn id="12" dur="1" fill="hold">
                                           <p:stCondLst>
                                             <p:cond delay="0"/>
                                           </p:stCondLst>
@@ -4903,26 +4840,26 @@
                     </p:cTn>
                   </p:par>
                   <p:par>
-                    <p:cTn id="15" fill="hold">
+                    <p:cTn id="13" fill="hold">
                       <p:stCondLst>
                         <p:cond delay="indefinite"/>
                       </p:stCondLst>
                       <p:childTnLst>
                         <p:par>
-                          <p:cTn id="16" fill="hold">
+                          <p:cTn id="14" fill="hold">
                             <p:stCondLst>
                               <p:cond delay="0"/>
                             </p:stCondLst>
                             <p:childTnLst>
                               <p:par>
-                                <p:cTn id="17" presetID="1" presetClass="entr" presetSubtype="0" fill="hold" grpId="0" nodeType="clickEffect">
+                                <p:cTn id="15" presetID="1" presetClass="entr" presetSubtype="0" fill="hold" grpId="0" nodeType="clickEffect">
                                   <p:stCondLst>
                                     <p:cond delay="0"/>
                                   </p:stCondLst>
                                   <p:childTnLst>
                                     <p:set>
                                       <p:cBhvr>
-                                        <p:cTn id="18" dur="1" fill="hold">
+                                        <p:cTn id="16" dur="1" fill="hold">
                                           <p:stCondLst>
                                             <p:cond delay="0"/>
                                           </p:stCondLst>
@@ -5018,8 +4955,8 @@
           </a:p>
         </p:txBody>
       </p:sp>
-      <mc:AlternateContent xmlns:mc="http://schemas.openxmlformats.org/markup-compatibility/2006" xmlns:a14="http://schemas.microsoft.com/office/drawing/2010/main">
-        <mc:Choice Requires="a14">
+      <mc:AlternateContent xmlns:mc="http://schemas.openxmlformats.org/markup-compatibility/2006">
+        <mc:Choice xmlns:a14="http://schemas.microsoft.com/office/drawing/2010/main" Requires="a14">
           <p:sp>
             <p:nvSpPr>
               <p:cNvPr id="3" name="Content Placeholder 2"/>
@@ -5039,7 +4976,15 @@
               <a:p>
                 <a:r>
                   <a:rPr lang="en-US" dirty="0"/>
-                  <a:t>If we look at the average power exerted over a set period of time, we can simply divide the work done (or change in energy) by the time it took to do that work</a:t>
+                  <a:t>If we look at the </a:t>
+                </a:r>
+                <a:r>
+                  <a:rPr lang="en-US" b="1" dirty="0"/>
+                  <a:t>average power</a:t>
+                </a:r>
+                <a:r>
+                  <a:rPr lang="en-US" dirty="0"/>
+                  <a:t> exerted over a set period of time, we can simply divide the work done (or change in energy) by the time it took to do that work</a:t>
                 </a:r>
               </a:p>
               <a:p>
@@ -5100,6 +5045,13 @@
                           </m:r>
                         </m:num>
                         <m:den>
+                          <m:r>
+                            <a:rPr lang="en-US" b="0" i="1" smtClean="0">
+                              <a:latin typeface="Cambria Math" panose="02040503050406030204" pitchFamily="18" charset="0"/>
+                              <a:ea typeface="Cambria Math" panose="02040503050406030204" pitchFamily="18" charset="0"/>
+                            </a:rPr>
+                            <m:t>∆</m:t>
+                          </m:r>
                           <m:r>
                             <a:rPr lang="en-US" b="0" i="1" smtClean="0">
                               <a:latin typeface="Cambria Math"/>
@@ -5170,6 +5122,13 @@
                         <m:t>)(</m:t>
                       </m:r>
                       <m:r>
+                        <a:rPr lang="en-US" b="0" i="1" smtClean="0">
+                          <a:latin typeface="Cambria Math" panose="02040503050406030204" pitchFamily="18" charset="0"/>
+                          <a:ea typeface="Cambria Math" panose="02040503050406030204" pitchFamily="18" charset="0"/>
+                        </a:rPr>
+                        <m:t>∆</m:t>
+                      </m:r>
+                      <m:r>
                         <a:rPr lang="en-US" i="1">
                           <a:latin typeface="Cambria Math"/>
                           <a:ea typeface="Cambria Math"/>
@@ -5203,7 +5162,7 @@
             </p:txBody>
           </p:sp>
         </mc:Choice>
-        <mc:Fallback xmlns="">
+        <mc:Fallback>
           <p:sp>
             <p:nvSpPr>
               <p:cNvPr id="3" name="Content Placeholder 2"/>
@@ -7438,7 +7397,7 @@
           <p:cNvPr id="2" name="Title 1">
             <a:extLst>
               <a:ext uri="{FF2B5EF4-FFF2-40B4-BE49-F238E27FC236}">
-                <a16:creationId xmlns:a16="http://schemas.microsoft.com/office/drawing/2014/main" id="{9FD2A529-FAD5-4096-8184-7EC788C5AF78}"/>
+                <a16:creationId xmlns:a16="http://schemas.microsoft.com/office/drawing/2014/main" id="{21295695-F27C-C334-44C2-DDB2838A7709}"/>
               </a:ext>
             </a:extLst>
           </p:cNvPr>
@@ -7451,24 +7410,26 @@
         </p:nvSpPr>
         <p:spPr/>
         <p:txBody>
-          <a:bodyPr/>
+          <a:bodyPr>
+            <a:normAutofit fontScale="90000"/>
+          </a:bodyPr>
           <a:lstStyle/>
           <a:p>
             <a:r>
               <a:rPr lang="en-US" dirty="0"/>
-              <a:t>Power in Rigid Body Systems</a:t>
-            </a:r>
-          </a:p>
-        </p:txBody>
-      </p:sp>
-      <mc:AlternateContent xmlns:mc="http://schemas.openxmlformats.org/markup-compatibility/2006" xmlns:a14="http://schemas.microsoft.com/office/drawing/2010/main">
-        <mc:Choice Requires="a14">
+              <a:t>Using Power in Work and Energy Problems</a:t>
+            </a:r>
+          </a:p>
+        </p:txBody>
+      </p:sp>
+      <mc:AlternateContent xmlns:mc="http://schemas.openxmlformats.org/markup-compatibility/2006">
+        <mc:Choice xmlns:a14="http://schemas.microsoft.com/office/drawing/2010/main" Requires="a14">
           <p:sp>
             <p:nvSpPr>
               <p:cNvPr id="3" name="Content Placeholder 2">
                 <a:extLst>
                   <a:ext uri="{FF2B5EF4-FFF2-40B4-BE49-F238E27FC236}">
-                    <a16:creationId xmlns:a16="http://schemas.microsoft.com/office/drawing/2014/main" id="{536DDB1D-5582-429B-9606-3FABE32761F1}"/>
+                    <a16:creationId xmlns:a16="http://schemas.microsoft.com/office/drawing/2014/main" id="{ED73D0B9-9F81-6A9E-F10C-C68A734009E6}"/>
                   </a:ext>
                 </a:extLst>
               </p:cNvPr>
@@ -7482,20 +7443,129 @@
             <p:spPr/>
             <p:txBody>
               <a:bodyPr>
-                <a:normAutofit fontScale="92500" lnSpcReduction="20000"/>
+                <a:normAutofit fontScale="85000" lnSpcReduction="10000"/>
               </a:bodyPr>
               <a:lstStyle/>
               <a:p>
                 <a:r>
                   <a:rPr lang="en-US" dirty="0"/>
-                  <a:t>For rigid body systems, we can also have both translational power and rotational power together. To find the overall power, simply add the translational and rotational powers.</a:t>
+                  <a:t>To use the concept of power in work and energy problems, we will simply need to multiply average power times time to get the work in our problem.</a:t>
                 </a:r>
               </a:p>
               <a:p>
                 <a:pPr marL="0" indent="0">
                   <a:buNone/>
                 </a:pPr>
+                <a14:m>
+                  <m:oMathPara xmlns:m="http://schemas.openxmlformats.org/officeDocument/2006/math">
+                    <m:oMathParaPr>
+                      <m:jc m:val="centerGroup"/>
+                    </m:oMathParaPr>
+                    <m:oMath xmlns:m="http://schemas.openxmlformats.org/officeDocument/2006/math">
+                      <m:d>
+                        <m:dPr>
+                          <m:ctrlPr>
+                            <a:rPr lang="en-US" i="1" smtClean="0">
+                              <a:latin typeface="Cambria Math" panose="02040503050406030204" pitchFamily="18" charset="0"/>
+                            </a:rPr>
+                          </m:ctrlPr>
+                        </m:dPr>
+                        <m:e>
+                          <m:sSub>
+                            <m:sSubPr>
+                              <m:ctrlPr>
+                                <a:rPr lang="en-US" i="1">
+                                  <a:latin typeface="Cambria Math" panose="02040503050406030204" pitchFamily="18" charset="0"/>
+                                </a:rPr>
+                              </m:ctrlPr>
+                            </m:sSubPr>
+                            <m:e>
+                              <m:r>
+                                <a:rPr lang="en-US" i="1">
+                                  <a:latin typeface="Cambria Math" panose="02040503050406030204" pitchFamily="18" charset="0"/>
+                                </a:rPr>
+                                <m:t>𝑃</m:t>
+                              </m:r>
+                            </m:e>
+                            <m:sub>
+                              <m:r>
+                                <a:rPr lang="en-US" i="1">
+                                  <a:latin typeface="Cambria Math" panose="02040503050406030204" pitchFamily="18" charset="0"/>
+                                </a:rPr>
+                                <m:t>𝑎𝑣𝑒</m:t>
+                              </m:r>
+                            </m:sub>
+                          </m:sSub>
+                        </m:e>
+                      </m:d>
+                      <m:d>
+                        <m:dPr>
+                          <m:ctrlPr>
+                            <a:rPr lang="en-US" i="1" smtClean="0">
+                              <a:latin typeface="Cambria Math" panose="02040503050406030204" pitchFamily="18" charset="0"/>
+                            </a:rPr>
+                          </m:ctrlPr>
+                        </m:dPr>
+                        <m:e>
+                          <m:r>
+                            <a:rPr lang="en-US" i="1" smtClean="0">
+                              <a:latin typeface="Cambria Math" panose="02040503050406030204" pitchFamily="18" charset="0"/>
+                              <a:ea typeface="Cambria Math" panose="02040503050406030204" pitchFamily="18" charset="0"/>
+                            </a:rPr>
+                            <m:t>∆</m:t>
+                          </m:r>
+                          <m:r>
+                            <a:rPr lang="en-US" b="0" i="1" smtClean="0">
+                              <a:latin typeface="Cambria Math" panose="02040503050406030204" pitchFamily="18" charset="0"/>
+                              <a:ea typeface="Cambria Math" panose="02040503050406030204" pitchFamily="18" charset="0"/>
+                            </a:rPr>
+                            <m:t>𝑡</m:t>
+                          </m:r>
+                        </m:e>
+                      </m:d>
+                      <m:r>
+                        <a:rPr lang="en-US">
+                          <a:latin typeface="Cambria Math"/>
+                        </a:rPr>
+                        <m:t>=∆</m:t>
+                      </m:r>
+                      <m:r>
+                        <m:rPr>
+                          <m:sty m:val="p"/>
+                        </m:rPr>
+                        <a:rPr lang="en-US">
+                          <a:latin typeface="Cambria Math"/>
+                          <a:ea typeface="Cambria Math"/>
+                        </a:rPr>
+                        <m:t>KE</m:t>
+                      </m:r>
+                      <m:r>
+                        <a:rPr lang="en-US">
+                          <a:latin typeface="Cambria Math"/>
+                          <a:ea typeface="Cambria Math"/>
+                        </a:rPr>
+                        <m:t>+∆</m:t>
+                      </m:r>
+                      <m:r>
+                        <m:rPr>
+                          <m:sty m:val="p"/>
+                        </m:rPr>
+                        <a:rPr lang="en-US">
+                          <a:latin typeface="Cambria Math"/>
+                          <a:ea typeface="Cambria Math"/>
+                        </a:rPr>
+                        <m:t>PE</m:t>
+                      </m:r>
+                    </m:oMath>
+                  </m:oMathPara>
+                </a14:m>
                 <a:endParaRPr lang="en-US" dirty="0"/>
+              </a:p>
+              <a:p>
+                <a:r>
+                  <a:rPr lang="en-US" dirty="0"/>
+                  <a:t>Alternatively, we can take this equation and divide both sides by time to solve for average power directly.</a:t>
+                </a:r>
               </a:p>
               <a:p>
                 <a:pPr marL="0" indent="0">
@@ -7510,7 +7580,7 @@
                       <m:sSub>
                         <m:sSubPr>
                           <m:ctrlPr>
-                            <a:rPr lang="en-US" i="1">
+                            <a:rPr lang="en-US" i="1" smtClean="0">
                               <a:latin typeface="Cambria Math" panose="02040503050406030204" pitchFamily="18" charset="0"/>
                             </a:rPr>
                           </m:ctrlPr>
@@ -7533,96 +7603,92 @@
                         </m:sub>
                       </m:sSub>
                       <m:r>
-                        <a:rPr lang="en-US" i="1">
-                          <a:latin typeface="Cambria Math"/>
+                        <a:rPr lang="en-US" b="0" i="1" smtClean="0">
+                          <a:latin typeface="Cambria Math" panose="02040503050406030204" pitchFamily="18" charset="0"/>
                         </a:rPr>
                         <m:t>=</m:t>
                       </m:r>
-                      <m:r>
-                        <a:rPr lang="en-US" b="0" i="1" smtClean="0">
-                          <a:latin typeface="Cambria Math" panose="02040503050406030204" pitchFamily="18" charset="0"/>
-                        </a:rPr>
-                        <m:t>(</m:t>
-                      </m:r>
-                      <m:r>
-                        <a:rPr lang="en-US" b="0" i="1" smtClean="0">
-                          <a:latin typeface="Cambria Math" panose="02040503050406030204" pitchFamily="18" charset="0"/>
-                        </a:rPr>
-                        <m:t>𝐹</m:t>
-                      </m:r>
-                      <m:r>
-                        <a:rPr lang="en-US" b="0" i="1" smtClean="0">
-                          <a:latin typeface="Cambria Math" panose="02040503050406030204" pitchFamily="18" charset="0"/>
-                        </a:rPr>
-                        <m:t>∗</m:t>
-                      </m:r>
-                      <m:r>
-                        <a:rPr lang="en-US" b="0" i="1" smtClean="0">
-                          <a:latin typeface="Cambria Math" panose="02040503050406030204" pitchFamily="18" charset="0"/>
-                        </a:rPr>
-                        <m:t>𝑣</m:t>
-                      </m:r>
-                      <m:r>
-                        <a:rPr lang="en-US" b="0" i="1" smtClean="0">
-                          <a:latin typeface="Cambria Math" panose="02040503050406030204" pitchFamily="18" charset="0"/>
-                        </a:rPr>
-                        <m:t>)+(</m:t>
-                      </m:r>
-                      <m:r>
-                        <a:rPr lang="en-US" i="1">
-                          <a:latin typeface="Cambria Math" panose="02040503050406030204" pitchFamily="18" charset="0"/>
-                          <a:ea typeface="Cambria Math"/>
-                        </a:rPr>
-                        <m:t>𝑀</m:t>
-                      </m:r>
-                      <m:r>
-                        <a:rPr lang="en-US" i="1">
-                          <a:latin typeface="Cambria Math" panose="02040503050406030204" pitchFamily="18" charset="0"/>
-                          <a:ea typeface="Cambria Math"/>
-                        </a:rPr>
-                        <m:t>∗</m:t>
-                      </m:r>
-                      <m:r>
-                        <a:rPr lang="en-US" i="1">
-                          <a:latin typeface="Cambria Math" panose="02040503050406030204" pitchFamily="18" charset="0"/>
-                          <a:ea typeface="Cambria Math" panose="02040503050406030204" pitchFamily="18" charset="0"/>
-                        </a:rPr>
-                        <m:t>𝜔</m:t>
-                      </m:r>
-                      <m:r>
-                        <a:rPr lang="en-US" b="0" i="1" smtClean="0">
-                          <a:latin typeface="Cambria Math" panose="02040503050406030204" pitchFamily="18" charset="0"/>
-                          <a:ea typeface="Cambria Math" panose="02040503050406030204" pitchFamily="18" charset="0"/>
-                        </a:rPr>
-                        <m:t>)</m:t>
-                      </m:r>
+                      <m:f>
+                        <m:fPr>
+                          <m:ctrlPr>
+                            <a:rPr lang="en-US" b="0" i="1" smtClean="0">
+                              <a:latin typeface="Cambria Math" panose="02040503050406030204" pitchFamily="18" charset="0"/>
+                            </a:rPr>
+                          </m:ctrlPr>
+                        </m:fPr>
+                        <m:num>
+                          <m:r>
+                            <a:rPr lang="en-US">
+                              <a:latin typeface="Cambria Math"/>
+                            </a:rPr>
+                            <m:t>∆</m:t>
+                          </m:r>
+                          <m:r>
+                            <m:rPr>
+                              <m:sty m:val="p"/>
+                            </m:rPr>
+                            <a:rPr lang="en-US">
+                              <a:latin typeface="Cambria Math"/>
+                              <a:ea typeface="Cambria Math"/>
+                            </a:rPr>
+                            <m:t>KE</m:t>
+                          </m:r>
+                          <m:r>
+                            <a:rPr lang="en-US">
+                              <a:latin typeface="Cambria Math"/>
+                              <a:ea typeface="Cambria Math"/>
+                            </a:rPr>
+                            <m:t>+∆</m:t>
+                          </m:r>
+                          <m:r>
+                            <m:rPr>
+                              <m:sty m:val="p"/>
+                            </m:rPr>
+                            <a:rPr lang="en-US">
+                              <a:latin typeface="Cambria Math"/>
+                              <a:ea typeface="Cambria Math"/>
+                            </a:rPr>
+                            <m:t>PE</m:t>
+                          </m:r>
+                        </m:num>
+                        <m:den>
+                          <m:r>
+                            <a:rPr lang="en-US" i="1">
+                              <a:latin typeface="Cambria Math" panose="02040503050406030204" pitchFamily="18" charset="0"/>
+                              <a:ea typeface="Cambria Math" panose="02040503050406030204" pitchFamily="18" charset="0"/>
+                            </a:rPr>
+                            <m:t>∆</m:t>
+                          </m:r>
+                          <m:r>
+                            <a:rPr lang="en-US" i="1">
+                              <a:latin typeface="Cambria Math" panose="02040503050406030204" pitchFamily="18" charset="0"/>
+                              <a:ea typeface="Cambria Math" panose="02040503050406030204" pitchFamily="18" charset="0"/>
+                            </a:rPr>
+                            <m:t>𝑡</m:t>
+                          </m:r>
+                        </m:den>
+                      </m:f>
                     </m:oMath>
                   </m:oMathPara>
                 </a14:m>
                 <a:endParaRPr lang="en-US" dirty="0"/>
               </a:p>
               <a:p>
-                <a:pPr marL="0" indent="0">
-                  <a:buNone/>
-                </a:pPr>
-                <a:endParaRPr lang="en-US" dirty="0"/>
-              </a:p>
-              <a:p>
                 <a:r>
                   <a:rPr lang="en-US" dirty="0"/>
-                  <a:t>It’s important in for the above equation that you take the moment about the center of mass and you use the velocity of the center of mass of the body.</a:t>
+                  <a:t>The same process and equations are used as before, time is simply added as an element to consider.</a:t>
                 </a:r>
               </a:p>
             </p:txBody>
           </p:sp>
         </mc:Choice>
-        <mc:Fallback xmlns="">
+        <mc:Fallback>
           <p:sp>
             <p:nvSpPr>
               <p:cNvPr id="3" name="Content Placeholder 2">
                 <a:extLst>
                   <a:ext uri="{FF2B5EF4-FFF2-40B4-BE49-F238E27FC236}">
-                    <a16:creationId xmlns:a16="http://schemas.microsoft.com/office/drawing/2014/main" id="{536DDB1D-5582-429B-9606-3FABE32761F1}"/>
+                    <a16:creationId xmlns:a16="http://schemas.microsoft.com/office/drawing/2014/main" id="{ED73D0B9-9F81-6A9E-F10C-C68A734009E6}"/>
                   </a:ext>
                 </a:extLst>
               </p:cNvPr>
@@ -7637,7 +7703,7 @@
               <a:blipFill>
                 <a:blip r:embed="rId2"/>
                 <a:stretch>
-                  <a:fillRect l="-1481" t="-3504" b="-3369"/>
+                  <a:fillRect l="-1259" t="-2156"/>
                 </a:stretch>
               </a:blipFill>
             </p:spPr>
@@ -7656,10 +7722,39 @@
           </p:sp>
         </mc:Fallback>
       </mc:AlternateContent>
+      <p:sp>
+        <p:nvSpPr>
+          <p:cNvPr id="4" name="Slide Number Placeholder 3">
+            <a:extLst>
+              <a:ext uri="{FF2B5EF4-FFF2-40B4-BE49-F238E27FC236}">
+                <a16:creationId xmlns:a16="http://schemas.microsoft.com/office/drawing/2014/main" id="{87400B9A-46C7-32EC-8890-A5053F2355AD}"/>
+              </a:ext>
+            </a:extLst>
+          </p:cNvPr>
+          <p:cNvSpPr>
+            <a:spLocks noGrp="1"/>
+          </p:cNvSpPr>
+          <p:nvPr>
+            <p:ph type="sldNum" sz="quarter" idx="12"/>
+          </p:nvPr>
+        </p:nvSpPr>
+        <p:spPr/>
+        <p:txBody>
+          <a:bodyPr/>
+          <a:lstStyle/>
+          <a:p>
+            <a:fld id="{929262FE-7F58-4A1E-8AF3-5A510A86DEBD}" type="slidenum">
+              <a:rPr lang="en-US" smtClean="0"/>
+              <a:t>8</a:t>
+            </a:fld>
+            <a:endParaRPr lang="en-US" dirty="0"/>
+          </a:p>
+        </p:txBody>
+      </p:sp>
     </p:spTree>
     <p:extLst>
       <p:ext uri="{BB962C8B-B14F-4D97-AF65-F5344CB8AC3E}">
-        <p14:creationId xmlns:p14="http://schemas.microsoft.com/office/powerpoint/2010/main" val="3843765939"/>
+        <p14:creationId xmlns:p14="http://schemas.microsoft.com/office/powerpoint/2010/main" val="900967062"/>
       </p:ext>
     </p:extLst>
   </p:cSld>
@@ -7751,7 +7846,7 @@
                                         <p:tgtEl>
                                           <p:spTgt spid="3">
                                             <p:txEl>
-                                              <p:pRg st="2" end="2"/>
+                                              <p:pRg st="1" end="1"/>
                                             </p:txEl>
                                           </p:spTgt>
                                         </p:tgtEl>
@@ -7793,6 +7888,104 @@
                                     <p:set>
                                       <p:cBhvr>
                                         <p:cTn id="14" dur="1" fill="hold">
+                                          <p:stCondLst>
+                                            <p:cond delay="0"/>
+                                          </p:stCondLst>
+                                        </p:cTn>
+                                        <p:tgtEl>
+                                          <p:spTgt spid="3">
+                                            <p:txEl>
+                                              <p:pRg st="2" end="2"/>
+                                            </p:txEl>
+                                          </p:spTgt>
+                                        </p:tgtEl>
+                                        <p:attrNameLst>
+                                          <p:attrName>style.visibility</p:attrName>
+                                        </p:attrNameLst>
+                                      </p:cBhvr>
+                                      <p:to>
+                                        <p:strVal val="visible"/>
+                                      </p:to>
+                                    </p:set>
+                                  </p:childTnLst>
+                                </p:cTn>
+                              </p:par>
+                            </p:childTnLst>
+                          </p:cTn>
+                        </p:par>
+                      </p:childTnLst>
+                    </p:cTn>
+                  </p:par>
+                  <p:par>
+                    <p:cTn id="15" fill="hold">
+                      <p:stCondLst>
+                        <p:cond delay="indefinite"/>
+                      </p:stCondLst>
+                      <p:childTnLst>
+                        <p:par>
+                          <p:cTn id="16" fill="hold">
+                            <p:stCondLst>
+                              <p:cond delay="0"/>
+                            </p:stCondLst>
+                            <p:childTnLst>
+                              <p:par>
+                                <p:cTn id="17" presetID="1" presetClass="entr" presetSubtype="0" fill="hold" grpId="0" nodeType="clickEffect">
+                                  <p:stCondLst>
+                                    <p:cond delay="0"/>
+                                  </p:stCondLst>
+                                  <p:childTnLst>
+                                    <p:set>
+                                      <p:cBhvr>
+                                        <p:cTn id="18" dur="1" fill="hold">
+                                          <p:stCondLst>
+                                            <p:cond delay="0"/>
+                                          </p:stCondLst>
+                                        </p:cTn>
+                                        <p:tgtEl>
+                                          <p:spTgt spid="3">
+                                            <p:txEl>
+                                              <p:pRg st="3" end="3"/>
+                                            </p:txEl>
+                                          </p:spTgt>
+                                        </p:tgtEl>
+                                        <p:attrNameLst>
+                                          <p:attrName>style.visibility</p:attrName>
+                                        </p:attrNameLst>
+                                      </p:cBhvr>
+                                      <p:to>
+                                        <p:strVal val="visible"/>
+                                      </p:to>
+                                    </p:set>
+                                  </p:childTnLst>
+                                </p:cTn>
+                              </p:par>
+                            </p:childTnLst>
+                          </p:cTn>
+                        </p:par>
+                      </p:childTnLst>
+                    </p:cTn>
+                  </p:par>
+                  <p:par>
+                    <p:cTn id="19" fill="hold">
+                      <p:stCondLst>
+                        <p:cond delay="indefinite"/>
+                      </p:stCondLst>
+                      <p:childTnLst>
+                        <p:par>
+                          <p:cTn id="20" fill="hold">
+                            <p:stCondLst>
+                              <p:cond delay="0"/>
+                            </p:stCondLst>
+                            <p:childTnLst>
+                              <p:par>
+                                <p:cTn id="21" presetID="1" presetClass="entr" presetSubtype="0" fill="hold" grpId="0" nodeType="clickEffect">
+                                  <p:stCondLst>
+                                    <p:cond delay="0"/>
+                                  </p:stCondLst>
+                                  <p:childTnLst>
+                                    <p:set>
+                                      <p:cBhvr>
+                                        <p:cTn id="22" dur="1" fill="hold">
                                           <p:stCondLst>
                                             <p:cond delay="0"/>
                                           </p:stCondLst>
@@ -7868,705 +8061,58 @@
       </p:grpSpPr>
       <p:sp>
         <p:nvSpPr>
-          <p:cNvPr id="2" name="Title 1">
-            <a:extLst>
-              <a:ext uri="{FF2B5EF4-FFF2-40B4-BE49-F238E27FC236}">
-                <a16:creationId xmlns:a16="http://schemas.microsoft.com/office/drawing/2014/main" id="{61A07C29-9A58-4871-BDC5-A36C637901C2}"/>
-              </a:ext>
-            </a:extLst>
-          </p:cNvPr>
+          <p:cNvPr id="2" name="Title 1"/>
           <p:cNvSpPr>
             <a:spLocks noGrp="1"/>
           </p:cNvSpPr>
           <p:nvPr>
-            <p:ph type="title"/>
+            <p:ph type="ctrTitle"/>
           </p:nvPr>
         </p:nvSpPr>
         <p:spPr/>
         <p:txBody>
-          <a:bodyPr>
-            <a:normAutofit fontScale="90000"/>
-          </a:bodyPr>
+          <a:bodyPr/>
           <a:lstStyle/>
           <a:p>
             <a:r>
               <a:rPr lang="en-US" dirty="0"/>
-              <a:t>Solving Power Problems</a:t>
-            </a:r>
-            <a:br>
+              <a:t>Thanks for Watching</a:t>
+            </a:r>
+          </a:p>
+        </p:txBody>
+      </p:sp>
+      <p:sp>
+        <p:nvSpPr>
+          <p:cNvPr id="3" name="Subtitle 2"/>
+          <p:cNvSpPr>
+            <a:spLocks noGrp="1"/>
+          </p:cNvSpPr>
+          <p:nvPr>
+            <p:ph type="subTitle" idx="1"/>
+          </p:nvPr>
+        </p:nvSpPr>
+        <p:spPr/>
+        <p:txBody>
+          <a:bodyPr/>
+          <a:lstStyle/>
+          <a:p>
+            <a:r>
               <a:rPr lang="en-US" dirty="0"/>
-            </a:br>
-            <a:r>
-              <a:rPr lang="en-US" dirty="0"/>
-              <a:t>(The Process)</a:t>
-            </a:r>
-          </a:p>
-        </p:txBody>
-      </p:sp>
-      <mc:AlternateContent xmlns:mc="http://schemas.openxmlformats.org/markup-compatibility/2006" xmlns:a14="http://schemas.microsoft.com/office/drawing/2010/main">
-        <mc:Choice Requires="a14">
-          <p:sp>
-            <p:nvSpPr>
-              <p:cNvPr id="3" name="Content Placeholder 2">
-                <a:extLst>
-                  <a:ext uri="{FF2B5EF4-FFF2-40B4-BE49-F238E27FC236}">
-                    <a16:creationId xmlns:a16="http://schemas.microsoft.com/office/drawing/2014/main" id="{A0280897-CDB5-4D78-9300-B055EC7031D9}"/>
-                  </a:ext>
-                </a:extLst>
-              </p:cNvPr>
-              <p:cNvSpPr>
-                <a:spLocks noGrp="1"/>
-              </p:cNvSpPr>
-              <p:nvPr>
-                <p:ph idx="1"/>
-              </p:nvPr>
-            </p:nvSpPr>
-            <p:spPr>
-              <a:xfrm>
-                <a:off x="457200" y="1600200"/>
-                <a:ext cx="8229600" cy="4648200"/>
-              </a:xfrm>
-            </p:spPr>
-            <p:txBody>
-              <a:bodyPr>
-                <a:normAutofit fontScale="62500" lnSpcReduction="20000"/>
-              </a:bodyPr>
-              <a:lstStyle/>
-              <a:p>
-                <a:r>
-                  <a:rPr lang="en-US" dirty="0"/>
-                  <a:t>Solving a power related problem is still at it’s heart a work and energy problem, and we will therefore use a very similar process</a:t>
-                </a:r>
-              </a:p>
-              <a:p>
-                <a:pPr marL="514350" indent="-514350">
-                  <a:buFont typeface="+mj-lt"/>
-                  <a:buAutoNum type="arabicPeriod"/>
-                </a:pPr>
-                <a:r>
-                  <a:rPr lang="en-US" dirty="0"/>
-                  <a:t>Set up one diagram showing the initial state and set up some other diagram for the final state.</a:t>
-                </a:r>
-              </a:p>
-              <a:p>
-                <a:pPr marL="914400" lvl="1" indent="-514350"/>
-                <a:r>
-                  <a:rPr lang="en-US" dirty="0"/>
-                  <a:t>Identify any </a:t>
-                </a:r>
-                <a:r>
-                  <a:rPr lang="en-US" dirty="0">
-                    <a:solidFill>
-                      <a:srgbClr val="FF0000"/>
-                    </a:solidFill>
-                  </a:rPr>
-                  <a:t>forces</a:t>
-                </a:r>
-                <a:r>
-                  <a:rPr lang="en-US" dirty="0"/>
-                  <a:t> and </a:t>
-                </a:r>
-                <a:r>
-                  <a:rPr lang="en-US" dirty="0">
-                    <a:solidFill>
-                      <a:srgbClr val="FF0000"/>
-                    </a:solidFill>
-                  </a:rPr>
-                  <a:t>moments</a:t>
-                </a:r>
-                <a:r>
-                  <a:rPr lang="en-US" dirty="0"/>
-                  <a:t> that will do work between the two states</a:t>
-                </a:r>
-              </a:p>
-              <a:p>
-                <a:pPr marL="914400" lvl="1" indent="-514350"/>
-                <a:r>
-                  <a:rPr lang="en-US" dirty="0"/>
-                  <a:t>Identify the known or unknown </a:t>
-                </a:r>
-                <a:r>
-                  <a:rPr lang="en-US" dirty="0">
-                    <a:solidFill>
-                      <a:schemeClr val="accent1"/>
-                    </a:solidFill>
-                  </a:rPr>
-                  <a:t>velocities </a:t>
-                </a:r>
-                <a:r>
-                  <a:rPr lang="en-US" dirty="0">
-                    <a:solidFill>
-                      <a:schemeClr val="tx2"/>
-                    </a:solidFill>
-                  </a:rPr>
-                  <a:t>and</a:t>
-                </a:r>
-                <a:r>
-                  <a:rPr lang="en-US" dirty="0">
-                    <a:solidFill>
-                      <a:schemeClr val="accent1"/>
-                    </a:solidFill>
-                  </a:rPr>
-                  <a:t> angular velocities</a:t>
-                </a:r>
-                <a:r>
-                  <a:rPr lang="en-US" dirty="0"/>
-                  <a:t> in each state</a:t>
-                </a:r>
-              </a:p>
-              <a:p>
-                <a:pPr marL="914400" lvl="1" indent="-514350"/>
-                <a:r>
-                  <a:rPr lang="en-US" dirty="0"/>
-                  <a:t>Identify the change in </a:t>
-                </a:r>
-                <a:r>
-                  <a:rPr lang="en-US" dirty="0">
-                    <a:solidFill>
-                      <a:schemeClr val="accent1"/>
-                    </a:solidFill>
-                  </a:rPr>
-                  <a:t>height</a:t>
-                </a:r>
-                <a:r>
-                  <a:rPr lang="en-US" dirty="0"/>
-                  <a:t> if applicable</a:t>
-                </a:r>
-              </a:p>
-              <a:p>
-                <a:pPr marL="514350" indent="-514350">
-                  <a:buFont typeface="+mj-lt"/>
-                  <a:buAutoNum type="arabicPeriod"/>
-                </a:pPr>
-                <a:r>
-                  <a:rPr lang="en-US" dirty="0"/>
-                  <a:t>Use the diagram to put together the single conservation of energy equation, as well as an equation relating work to power with included known and unknown values.</a:t>
-                </a:r>
-              </a:p>
-              <a:p>
-                <a:pPr marL="914400" lvl="1" indent="-514350"/>
-                <a14:m>
-                  <m:oMath xmlns:m="http://schemas.openxmlformats.org/officeDocument/2006/math">
-                    <m:r>
-                      <m:rPr>
-                        <m:sty m:val="p"/>
-                      </m:rPr>
-                      <a:rPr lang="en-US">
-                        <a:latin typeface="Cambria Math"/>
-                      </a:rPr>
-                      <m:t>W</m:t>
-                    </m:r>
-                    <m:r>
-                      <a:rPr lang="en-US">
-                        <a:latin typeface="Cambria Math"/>
-                      </a:rPr>
-                      <m:t>=∆</m:t>
-                    </m:r>
-                    <m:r>
-                      <m:rPr>
-                        <m:sty m:val="p"/>
-                      </m:rPr>
-                      <a:rPr lang="en-US">
-                        <a:latin typeface="Cambria Math"/>
-                        <a:ea typeface="Cambria Math"/>
-                      </a:rPr>
-                      <m:t>KE</m:t>
-                    </m:r>
-                    <m:r>
-                      <a:rPr lang="en-US">
-                        <a:latin typeface="Cambria Math"/>
-                        <a:ea typeface="Cambria Math"/>
-                      </a:rPr>
-                      <m:t>+∆</m:t>
-                    </m:r>
-                    <m:r>
-                      <m:rPr>
-                        <m:sty m:val="p"/>
-                      </m:rPr>
-                      <a:rPr lang="en-US">
-                        <a:latin typeface="Cambria Math"/>
-                        <a:ea typeface="Cambria Math"/>
-                      </a:rPr>
-                      <m:t>PE</m:t>
-                    </m:r>
-                  </m:oMath>
-                </a14:m>
-                <a:endParaRPr lang="en-US" dirty="0">
-                  <a:latin typeface="Cambria Math"/>
-                  <a:ea typeface="Cambria Math"/>
-                </a:endParaRPr>
-              </a:p>
-              <a:p>
-                <a:pPr marL="914400" lvl="1" indent="-514350"/>
-                <a14:m>
-                  <m:oMath xmlns:m="http://schemas.openxmlformats.org/officeDocument/2006/math">
-                    <m:sSub>
-                      <m:sSubPr>
-                        <m:ctrlPr>
-                          <a:rPr lang="en-US" i="1">
-                            <a:latin typeface="Cambria Math" panose="02040503050406030204" pitchFamily="18" charset="0"/>
-                          </a:rPr>
-                        </m:ctrlPr>
-                      </m:sSubPr>
-                      <m:e>
-                        <m:r>
-                          <a:rPr lang="en-US" i="1">
-                            <a:latin typeface="Cambria Math" panose="02040503050406030204" pitchFamily="18" charset="0"/>
-                          </a:rPr>
-                          <m:t>𝑃</m:t>
-                        </m:r>
-                      </m:e>
-                      <m:sub>
-                        <m:r>
-                          <a:rPr lang="en-US" i="1">
-                            <a:latin typeface="Cambria Math" panose="02040503050406030204" pitchFamily="18" charset="0"/>
-                          </a:rPr>
-                          <m:t>𝑎𝑣𝑒</m:t>
-                        </m:r>
-                      </m:sub>
-                    </m:sSub>
-                    <m:r>
-                      <a:rPr lang="en-US" i="1">
-                        <a:latin typeface="Cambria Math"/>
-                      </a:rPr>
-                      <m:t>= </m:t>
-                    </m:r>
-                    <m:f>
-                      <m:fPr>
-                        <m:ctrlPr>
-                          <a:rPr lang="en-US" i="1">
-                            <a:latin typeface="Cambria Math" panose="02040503050406030204" pitchFamily="18" charset="0"/>
-                          </a:rPr>
-                        </m:ctrlPr>
-                      </m:fPr>
-                      <m:num>
-                        <m:r>
-                          <a:rPr lang="en-US" i="1">
-                            <a:latin typeface="Cambria Math"/>
-                          </a:rPr>
-                          <m:t>𝑊</m:t>
-                        </m:r>
-                      </m:num>
-                      <m:den>
-                        <m:r>
-                          <a:rPr lang="en-US" i="1">
-                            <a:latin typeface="Cambria Math"/>
-                            <a:ea typeface="Cambria Math"/>
-                          </a:rPr>
-                          <m:t>𝑡</m:t>
-                        </m:r>
-                      </m:den>
-                    </m:f>
-                  </m:oMath>
-                </a14:m>
-                <a:endParaRPr lang="en-US" dirty="0"/>
-              </a:p>
-              <a:p>
-                <a:pPr marL="514350" indent="-514350">
-                  <a:buFont typeface="+mj-lt"/>
-                  <a:buAutoNum type="arabicPeriod"/>
-                </a:pPr>
-                <a:r>
-                  <a:rPr lang="en-US" dirty="0"/>
-                  <a:t>Solve the equations for the unknown quantities</a:t>
-                </a:r>
-              </a:p>
-              <a:p>
-                <a:pPr marL="514350" indent="-514350">
-                  <a:buFont typeface="+mj-lt"/>
-                  <a:buAutoNum type="arabicPeriod"/>
-                </a:pPr>
-                <a:endParaRPr lang="en-US" dirty="0"/>
-              </a:p>
-            </p:txBody>
-          </p:sp>
-        </mc:Choice>
-        <mc:Fallback xmlns="">
-          <p:sp>
-            <p:nvSpPr>
-              <p:cNvPr id="3" name="Content Placeholder 2">
-                <a:extLst>
-                  <a:ext uri="{FF2B5EF4-FFF2-40B4-BE49-F238E27FC236}">
-                    <a16:creationId xmlns:a16="http://schemas.microsoft.com/office/drawing/2014/main" id="{A0280897-CDB5-4D78-9300-B055EC7031D9}"/>
-                  </a:ext>
-                </a:extLst>
-              </p:cNvPr>
-              <p:cNvSpPr>
-                <a:spLocks noGrp="1" noRot="1" noChangeAspect="1" noMove="1" noResize="1" noEditPoints="1" noAdjustHandles="1" noChangeArrowheads="1" noChangeShapeType="1" noTextEdit="1"/>
-              </p:cNvSpPr>
-              <p:nvPr>
-                <p:ph idx="1"/>
-              </p:nvPr>
-            </p:nvSpPr>
-            <p:spPr>
-              <a:xfrm>
-                <a:off x="457200" y="1600200"/>
-                <a:ext cx="8229600" cy="4648200"/>
-              </a:xfrm>
-              <a:blipFill>
-                <a:blip r:embed="rId2"/>
-                <a:stretch>
-                  <a:fillRect l="-815" t="-1969"/>
-                </a:stretch>
-              </a:blipFill>
-            </p:spPr>
-            <p:txBody>
-              <a:bodyPr/>
-              <a:lstStyle/>
-              <a:p>
-                <a:r>
-                  <a:rPr lang="en-US">
-                    <a:noFill/>
-                  </a:rPr>
-                  <a:t> </a:t>
-                </a:r>
-              </a:p>
-            </p:txBody>
-          </p:sp>
-        </mc:Fallback>
-      </mc:AlternateContent>
+              <a:t>See other engineering mechanics videos and access the full tool at…</a:t>
+            </a:r>
+          </a:p>
+        </p:txBody>
+      </p:sp>
     </p:spTree>
     <p:extLst>
       <p:ext uri="{BB962C8B-B14F-4D97-AF65-F5344CB8AC3E}">
-        <p14:creationId xmlns:p14="http://schemas.microsoft.com/office/powerpoint/2010/main" val="1685981082"/>
+        <p14:creationId xmlns:p14="http://schemas.microsoft.com/office/powerpoint/2010/main" val="3129637585"/>
       </p:ext>
     </p:extLst>
   </p:cSld>
   <p:clrMapOvr>
     <a:masterClrMapping/>
   </p:clrMapOvr>
-  <p:timing>
-    <p:tnLst>
-      <p:par>
-        <p:cTn id="1" dur="indefinite" restart="never" nodeType="tmRoot">
-          <p:childTnLst>
-            <p:seq concurrent="1" nextAc="seek">
-              <p:cTn id="2" dur="indefinite" nodeType="mainSeq">
-                <p:childTnLst>
-                  <p:par>
-                    <p:cTn id="3" fill="hold">
-                      <p:stCondLst>
-                        <p:cond delay="indefinite"/>
-                      </p:stCondLst>
-                      <p:childTnLst>
-                        <p:par>
-                          <p:cTn id="4" fill="hold">
-                            <p:stCondLst>
-                              <p:cond delay="0"/>
-                            </p:stCondLst>
-                            <p:childTnLst>
-                              <p:par>
-                                <p:cTn id="5" presetID="1" presetClass="entr" presetSubtype="0" fill="hold" nodeType="clickEffect">
-                                  <p:stCondLst>
-                                    <p:cond delay="0"/>
-                                  </p:stCondLst>
-                                  <p:childTnLst>
-                                    <p:set>
-                                      <p:cBhvr>
-                                        <p:cTn id="6" dur="1" fill="hold">
-                                          <p:stCondLst>
-                                            <p:cond delay="0"/>
-                                          </p:stCondLst>
-                                        </p:cTn>
-                                        <p:tgtEl>
-                                          <p:spTgt spid="3">
-                                            <p:txEl>
-                                              <p:pRg st="1" end="1"/>
-                                            </p:txEl>
-                                          </p:spTgt>
-                                        </p:tgtEl>
-                                        <p:attrNameLst>
-                                          <p:attrName>style.visibility</p:attrName>
-                                        </p:attrNameLst>
-                                      </p:cBhvr>
-                                      <p:to>
-                                        <p:strVal val="visible"/>
-                                      </p:to>
-                                    </p:set>
-                                  </p:childTnLst>
-                                </p:cTn>
-                              </p:par>
-                              <p:par>
-                                <p:cTn id="7" presetID="1" presetClass="entr" presetSubtype="0" fill="hold" nodeType="withEffect">
-                                  <p:stCondLst>
-                                    <p:cond delay="0"/>
-                                  </p:stCondLst>
-                                  <p:childTnLst>
-                                    <p:set>
-                                      <p:cBhvr>
-                                        <p:cTn id="8" dur="1" fill="hold">
-                                          <p:stCondLst>
-                                            <p:cond delay="0"/>
-                                          </p:stCondLst>
-                                        </p:cTn>
-                                        <p:tgtEl>
-                                          <p:spTgt spid="3">
-                                            <p:txEl>
-                                              <p:pRg st="2" end="2"/>
-                                            </p:txEl>
-                                          </p:spTgt>
-                                        </p:tgtEl>
-                                        <p:attrNameLst>
-                                          <p:attrName>style.visibility</p:attrName>
-                                        </p:attrNameLst>
-                                      </p:cBhvr>
-                                      <p:to>
-                                        <p:strVal val="visible"/>
-                                      </p:to>
-                                    </p:set>
-                                  </p:childTnLst>
-                                </p:cTn>
-                              </p:par>
-                              <p:par>
-                                <p:cTn id="9" presetID="1" presetClass="entr" presetSubtype="0" fill="hold" nodeType="withEffect">
-                                  <p:stCondLst>
-                                    <p:cond delay="0"/>
-                                  </p:stCondLst>
-                                  <p:childTnLst>
-                                    <p:set>
-                                      <p:cBhvr>
-                                        <p:cTn id="10" dur="1" fill="hold">
-                                          <p:stCondLst>
-                                            <p:cond delay="0"/>
-                                          </p:stCondLst>
-                                        </p:cTn>
-                                        <p:tgtEl>
-                                          <p:spTgt spid="3">
-                                            <p:txEl>
-                                              <p:pRg st="3" end="3"/>
-                                            </p:txEl>
-                                          </p:spTgt>
-                                        </p:tgtEl>
-                                        <p:attrNameLst>
-                                          <p:attrName>style.visibility</p:attrName>
-                                        </p:attrNameLst>
-                                      </p:cBhvr>
-                                      <p:to>
-                                        <p:strVal val="visible"/>
-                                      </p:to>
-                                    </p:set>
-                                  </p:childTnLst>
-                                </p:cTn>
-                              </p:par>
-                              <p:par>
-                                <p:cTn id="11" presetID="1" presetClass="entr" presetSubtype="0" fill="hold" nodeType="withEffect">
-                                  <p:stCondLst>
-                                    <p:cond delay="0"/>
-                                  </p:stCondLst>
-                                  <p:childTnLst>
-                                    <p:set>
-                                      <p:cBhvr>
-                                        <p:cTn id="12" dur="1" fill="hold">
-                                          <p:stCondLst>
-                                            <p:cond delay="0"/>
-                                          </p:stCondLst>
-                                        </p:cTn>
-                                        <p:tgtEl>
-                                          <p:spTgt spid="3">
-                                            <p:txEl>
-                                              <p:pRg st="4" end="4"/>
-                                            </p:txEl>
-                                          </p:spTgt>
-                                        </p:tgtEl>
-                                        <p:attrNameLst>
-                                          <p:attrName>style.visibility</p:attrName>
-                                        </p:attrNameLst>
-                                      </p:cBhvr>
-                                      <p:to>
-                                        <p:strVal val="visible"/>
-                                      </p:to>
-                                    </p:set>
-                                  </p:childTnLst>
-                                </p:cTn>
-                              </p:par>
-                            </p:childTnLst>
-                          </p:cTn>
-                        </p:par>
-                      </p:childTnLst>
-                    </p:cTn>
-                  </p:par>
-                  <p:par>
-                    <p:cTn id="13" fill="hold">
-                      <p:stCondLst>
-                        <p:cond delay="indefinite"/>
-                      </p:stCondLst>
-                      <p:childTnLst>
-                        <p:par>
-                          <p:cTn id="14" fill="hold">
-                            <p:stCondLst>
-                              <p:cond delay="0"/>
-                            </p:stCondLst>
-                            <p:childTnLst>
-                              <p:par>
-                                <p:cTn id="15" presetID="1" presetClass="entr" presetSubtype="0" fill="hold" nodeType="clickEffect">
-                                  <p:stCondLst>
-                                    <p:cond delay="0"/>
-                                  </p:stCondLst>
-                                  <p:childTnLst>
-                                    <p:set>
-                                      <p:cBhvr>
-                                        <p:cTn id="16" dur="1" fill="hold">
-                                          <p:stCondLst>
-                                            <p:cond delay="0"/>
-                                          </p:stCondLst>
-                                        </p:cTn>
-                                        <p:tgtEl>
-                                          <p:spTgt spid="3">
-                                            <p:txEl>
-                                              <p:pRg st="5" end="5"/>
-                                            </p:txEl>
-                                          </p:spTgt>
-                                        </p:tgtEl>
-                                        <p:attrNameLst>
-                                          <p:attrName>style.visibility</p:attrName>
-                                        </p:attrNameLst>
-                                      </p:cBhvr>
-                                      <p:to>
-                                        <p:strVal val="visible"/>
-                                      </p:to>
-                                    </p:set>
-                                  </p:childTnLst>
-                                </p:cTn>
-                              </p:par>
-                              <p:par>
-                                <p:cTn id="17" presetID="1" presetClass="entr" presetSubtype="0" fill="hold" nodeType="withEffect">
-                                  <p:stCondLst>
-                                    <p:cond delay="0"/>
-                                  </p:stCondLst>
-                                  <p:childTnLst>
-                                    <p:set>
-                                      <p:cBhvr>
-                                        <p:cTn id="18" dur="1" fill="hold">
-                                          <p:stCondLst>
-                                            <p:cond delay="0"/>
-                                          </p:stCondLst>
-                                        </p:cTn>
-                                        <p:tgtEl>
-                                          <p:spTgt spid="3">
-                                            <p:txEl>
-                                              <p:pRg st="6" end="6"/>
-                                            </p:txEl>
-                                          </p:spTgt>
-                                        </p:tgtEl>
-                                        <p:attrNameLst>
-                                          <p:attrName>style.visibility</p:attrName>
-                                        </p:attrNameLst>
-                                      </p:cBhvr>
-                                      <p:to>
-                                        <p:strVal val="visible"/>
-                                      </p:to>
-                                    </p:set>
-                                  </p:childTnLst>
-                                </p:cTn>
-                              </p:par>
-                              <p:par>
-                                <p:cTn id="19" presetID="1" presetClass="entr" presetSubtype="0" fill="hold" nodeType="withEffect">
-                                  <p:stCondLst>
-                                    <p:cond delay="0"/>
-                                  </p:stCondLst>
-                                  <p:childTnLst>
-                                    <p:set>
-                                      <p:cBhvr>
-                                        <p:cTn id="20" dur="1" fill="hold">
-                                          <p:stCondLst>
-                                            <p:cond delay="0"/>
-                                          </p:stCondLst>
-                                        </p:cTn>
-                                        <p:tgtEl>
-                                          <p:spTgt spid="3">
-                                            <p:txEl>
-                                              <p:pRg st="7" end="7"/>
-                                            </p:txEl>
-                                          </p:spTgt>
-                                        </p:tgtEl>
-                                        <p:attrNameLst>
-                                          <p:attrName>style.visibility</p:attrName>
-                                        </p:attrNameLst>
-                                      </p:cBhvr>
-                                      <p:to>
-                                        <p:strVal val="visible"/>
-                                      </p:to>
-                                    </p:set>
-                                  </p:childTnLst>
-                                </p:cTn>
-                              </p:par>
-                            </p:childTnLst>
-                          </p:cTn>
-                        </p:par>
-                      </p:childTnLst>
-                    </p:cTn>
-                  </p:par>
-                  <p:par>
-                    <p:cTn id="21" fill="hold">
-                      <p:stCondLst>
-                        <p:cond delay="indefinite"/>
-                      </p:stCondLst>
-                      <p:childTnLst>
-                        <p:par>
-                          <p:cTn id="22" fill="hold">
-                            <p:stCondLst>
-                              <p:cond delay="0"/>
-                            </p:stCondLst>
-                            <p:childTnLst>
-                              <p:par>
-                                <p:cTn id="23" presetID="1" presetClass="entr" presetSubtype="0" fill="hold" nodeType="clickEffect">
-                                  <p:stCondLst>
-                                    <p:cond delay="0"/>
-                                  </p:stCondLst>
-                                  <p:childTnLst>
-                                    <p:set>
-                                      <p:cBhvr>
-                                        <p:cTn id="24" dur="1" fill="hold">
-                                          <p:stCondLst>
-                                            <p:cond delay="0"/>
-                                          </p:stCondLst>
-                                        </p:cTn>
-                                        <p:tgtEl>
-                                          <p:spTgt spid="3">
-                                            <p:txEl>
-                                              <p:pRg st="8" end="8"/>
-                                            </p:txEl>
-                                          </p:spTgt>
-                                        </p:tgtEl>
-                                        <p:attrNameLst>
-                                          <p:attrName>style.visibility</p:attrName>
-                                        </p:attrNameLst>
-                                      </p:cBhvr>
-                                      <p:to>
-                                        <p:strVal val="visible"/>
-                                      </p:to>
-                                    </p:set>
-                                  </p:childTnLst>
-                                </p:cTn>
-                              </p:par>
-                            </p:childTnLst>
-                          </p:cTn>
-                        </p:par>
-                      </p:childTnLst>
-                    </p:cTn>
-                  </p:par>
-                </p:childTnLst>
-              </p:cTn>
-              <p:prevCondLst>
-                <p:cond evt="onPrev" delay="0">
-                  <p:tgtEl>
-                    <p:sldTgt/>
-                  </p:tgtEl>
-                </p:cond>
-              </p:prevCondLst>
-              <p:nextCondLst>
-                <p:cond evt="onNext" delay="0">
-                  <p:tgtEl>
-                    <p:sldTgt/>
-                  </p:tgtEl>
-                </p:cond>
-              </p:nextCondLst>
-            </p:seq>
-          </p:childTnLst>
-        </p:cTn>
-      </p:par>
-    </p:tnLst>
-  </p:timing>
 </p:sld>
 </file>
 
@@ -9141,6 +8687,21 @@
 </file>
 
 <file path=customXml/item1.xml><?xml version="1.0" encoding="utf-8"?>
+<?mso-contentType ?>
+<FormTemplates xmlns="http://schemas.microsoft.com/sharepoint/v3/contenttype/forms">
+  <Display>DocumentLibraryForm</Display>
+  <Edit>DocumentLibraryForm</Edit>
+  <New>DocumentLibraryForm</New>
+</FormTemplates>
+</file>
+
+<file path=customXml/item2.xml><?xml version="1.0" encoding="utf-8"?>
+<p:properties xmlns:p="http://schemas.microsoft.com/office/2006/metadata/properties" xmlns:xsi="http://www.w3.org/2001/XMLSchema-instance" xmlns:pc="http://schemas.microsoft.com/office/infopath/2007/PartnerControls">
+  <documentManagement/>
+</p:properties>
+</file>
+
+<file path=customXml/item3.xml><?xml version="1.0" encoding="utf-8"?>
 <ct:contentTypeSchema xmlns:ct="http://schemas.microsoft.com/office/2006/metadata/contentType" xmlns:ma="http://schemas.microsoft.com/office/2006/metadata/properties/metaAttributes" ct:_="" ma:_="" ma:contentTypeName="Document" ma:contentTypeID="0x010100A06DF21F5BB2734A800ED30F3F452129" ma:contentTypeVersion="12" ma:contentTypeDescription="Create a new document." ma:contentTypeScope="" ma:versionID="544d96a5fbac5de9d5d902b535c73fb2">
   <xsd:schema xmlns:xsd="http://www.w3.org/2001/XMLSchema" xmlns:xs="http://www.w3.org/2001/XMLSchema" xmlns:p="http://schemas.microsoft.com/office/2006/metadata/properties" xmlns:ns3="90d05cb5-950f-4f68-bc2c-e17794455b92" xmlns:ns4="b4eab9fa-dbb0-4082-8491-8bd54207a265" targetNamespace="http://schemas.microsoft.com/office/2006/metadata/properties" ma:root="true" ma:fieldsID="7a710efc71c2169bf9c05e5a40dddf12" ns3:_="" ns4:_="">
     <xsd:import namespace="90d05cb5-950f-4f68-bc2c-e17794455b92"/>
@@ -9357,36 +8918,10 @@
 </ct:contentTypeSchema>
 </file>
 
-<file path=customXml/item2.xml><?xml version="1.0" encoding="utf-8"?>
-<p:properties xmlns:p="http://schemas.microsoft.com/office/2006/metadata/properties" xmlns:xsi="http://www.w3.org/2001/XMLSchema-instance" xmlns:pc="http://schemas.microsoft.com/office/infopath/2007/PartnerControls">
-  <documentManagement/>
-</p:properties>
-</file>
-
-<file path=customXml/item3.xml><?xml version="1.0" encoding="utf-8"?>
-<?mso-contentType ?>
-<FormTemplates xmlns="http://schemas.microsoft.com/sharepoint/v3/contenttype/forms">
-  <Display>DocumentLibraryForm</Display>
-  <Edit>DocumentLibraryForm</Edit>
-  <New>DocumentLibraryForm</New>
-</FormTemplates>
-</file>
-
 <file path=customXml/itemProps1.xml><?xml version="1.0" encoding="utf-8"?>
-<ds:datastoreItem xmlns:ds="http://schemas.openxmlformats.org/officeDocument/2006/customXml" ds:itemID="{A43B8A4B-79FE-4529-931C-D64224FA70E3}">
+<ds:datastoreItem xmlns:ds="http://schemas.openxmlformats.org/officeDocument/2006/customXml" ds:itemID="{F5CF5F32-56DC-4068-8B04-457CF34A96F3}">
   <ds:schemaRefs>
-    <ds:schemaRef ds:uri="http://schemas.microsoft.com/office/2006/metadata/contentType"/>
-    <ds:schemaRef ds:uri="http://schemas.microsoft.com/office/2006/metadata/properties/metaAttributes"/>
-    <ds:schemaRef ds:uri="http://www.w3.org/2001/XMLSchema"/>
-    <ds:schemaRef ds:uri="http://schemas.microsoft.com/office/2006/metadata/properties"/>
-    <ds:schemaRef ds:uri="90d05cb5-950f-4f68-bc2c-e17794455b92"/>
-    <ds:schemaRef ds:uri="b4eab9fa-dbb0-4082-8491-8bd54207a265"/>
-    <ds:schemaRef ds:uri="http://schemas.microsoft.com/office/2006/documentManagement/types"/>
-    <ds:schemaRef ds:uri="http://schemas.microsoft.com/office/infopath/2007/PartnerControls"/>
-    <ds:schemaRef ds:uri="http://schemas.openxmlformats.org/package/2006/metadata/core-properties"/>
-    <ds:schemaRef ds:uri="http://purl.org/dc/elements/1.1/"/>
-    <ds:schemaRef ds:uri="http://purl.org/dc/terms/"/>
-    <ds:schemaRef ds:uri="http://schemas.microsoft.com/internal/obd"/>
+    <ds:schemaRef ds:uri="http://schemas.microsoft.com/sharepoint/v3/contenttype/forms"/>
   </ds:schemaRefs>
 </ds:datastoreItem>
 </file>
@@ -9409,9 +8944,20 @@
 </file>
 
 <file path=customXml/itemProps3.xml><?xml version="1.0" encoding="utf-8"?>
-<ds:datastoreItem xmlns:ds="http://schemas.openxmlformats.org/officeDocument/2006/customXml" ds:itemID="{F5CF5F32-56DC-4068-8B04-457CF34A96F3}">
+<ds:datastoreItem xmlns:ds="http://schemas.openxmlformats.org/officeDocument/2006/customXml" ds:itemID="{A43B8A4B-79FE-4529-931C-D64224FA70E3}">
   <ds:schemaRefs>
-    <ds:schemaRef ds:uri="http://schemas.microsoft.com/sharepoint/v3/contenttype/forms"/>
+    <ds:schemaRef ds:uri="http://schemas.microsoft.com/office/2006/metadata/contentType"/>
+    <ds:schemaRef ds:uri="http://schemas.microsoft.com/office/2006/metadata/properties/metaAttributes"/>
+    <ds:schemaRef ds:uri="http://www.w3.org/2001/XMLSchema"/>
+    <ds:schemaRef ds:uri="http://schemas.microsoft.com/office/2006/metadata/properties"/>
+    <ds:schemaRef ds:uri="90d05cb5-950f-4f68-bc2c-e17794455b92"/>
+    <ds:schemaRef ds:uri="b4eab9fa-dbb0-4082-8491-8bd54207a265"/>
+    <ds:schemaRef ds:uri="http://schemas.microsoft.com/office/2006/documentManagement/types"/>
+    <ds:schemaRef ds:uri="http://schemas.microsoft.com/office/infopath/2007/PartnerControls"/>
+    <ds:schemaRef ds:uri="http://schemas.openxmlformats.org/package/2006/metadata/core-properties"/>
+    <ds:schemaRef ds:uri="http://purl.org/dc/elements/1.1/"/>
+    <ds:schemaRef ds:uri="http://purl.org/dc/terms/"/>
+    <ds:schemaRef ds:uri="http://schemas.microsoft.com/internal/obd"/>
   </ds:schemaRefs>
 </ds:datastoreItem>
 </file>